--- a/PkoGenerator.Tests/doc/Защита проекта PkoGenerator.PPTX
+++ b/PkoGenerator.Tests/doc/Защита проекта PkoGenerator.PPTX
@@ -13,7 +13,7 @@
     <p:sldId id="286" r:id="rId4"/>
     <p:sldId id="303" r:id="rId5"/>
     <p:sldId id="302" r:id="rId6"/>
-    <p:sldId id="311" r:id="rId7"/>
+    <p:sldId id="313" r:id="rId7"/>
     <p:sldId id="304" r:id="rId8"/>
     <p:sldId id="288" r:id="rId9"/>
     <p:sldId id="305" r:id="rId10"/>
@@ -238,7 +238,7 @@
           <a:p>
             <a:fld id="{8E1FA015-B649-420B-B9EF-287E478E3984}" type="datetimeFigureOut">
               <a:rPr lang="ru-RU" smtClean="0"/>
-              <a:t>26.10.2022</a:t>
+              <a:t>27.10.2022</a:t>
             </a:fld>
             <a:endParaRPr lang="ru-RU"/>
           </a:p>
@@ -3213,7 +3213,11 @@
             </a:br>
             <a:r>
               <a:rPr lang="en-US" sz="1600" b="1" dirty="0"/>
-              <a:t>PkoGenerator.Console.exe C:\TemplatePkoGenerator\CounterpartiesList.xlsx C:\Results</a:t>
+              <a:t>PkoGenerator.Console.exe C:\TemplatePkoGenerator\CounterpartiesList.xlsx </a:t>
+            </a:r>
+            <a:r>
+              <a:rPr lang="en-US" sz="1600" b="1" dirty="0"/>
+              <a:t>C:\TemplatePkoGenerator\Results</a:t>
             </a:r>
             <a:endParaRPr lang="ru-RU" sz="1600" b="1" dirty="0"/>
           </a:p>
@@ -4383,11 +4387,7 @@
             </a:pPr>
             <a:r>
               <a:rPr lang="ru-RU" dirty="0" smtClean="0"/>
-              <a:t>Приходит </a:t>
-            </a:r>
-            <a:r>
-              <a:rPr lang="ru-RU" dirty="0" smtClean="0"/>
-              <a:t>файл </a:t>
+              <a:t>Приходит файл </a:t>
             </a:r>
             <a:r>
               <a:rPr lang="en-US" dirty="0" smtClean="0"/>
@@ -4396,21 +4396,13 @@
             <a:r>
               <a:rPr lang="ru-RU" dirty="0" smtClean="0"/>
               <a:t>с контрагентами и суммами. </a:t>
-            </a:r>
-            <a:r>
-              <a:rPr lang="ru-RU" dirty="0" smtClean="0"/>
-              <a:t/>
             </a:r>
             <a:br>
               <a:rPr lang="ru-RU" dirty="0" smtClean="0"/>
             </a:br>
             <a:r>
               <a:rPr lang="ru-RU" dirty="0" smtClean="0"/>
-              <a:t>Подготовить </a:t>
-            </a:r>
-            <a:r>
-              <a:rPr lang="ru-RU" dirty="0" smtClean="0"/>
-              <a:t>файлы для печати приходных кассовых ордеров</a:t>
+              <a:t>Подготовить файлы для печати приходных кассовых ордеров</a:t>
             </a:r>
             <a:r>
               <a:rPr lang="ru-RU" dirty="0"/>
@@ -4418,11 +4410,7 @@
             </a:r>
             <a:r>
               <a:rPr lang="ru-RU" dirty="0" smtClean="0"/>
-              <a:t>(ПКО) в </a:t>
-            </a:r>
-            <a:r>
-              <a:rPr lang="ru-RU" dirty="0" smtClean="0"/>
-              <a:t>формате </a:t>
+              <a:t>(ПКО) в формате </a:t>
             </a:r>
             <a:r>
               <a:rPr lang="en-US" dirty="0" smtClean="0"/>
@@ -4459,22 +4447,14 @@
             </a:r>
             <a:r>
               <a:rPr lang="ru-RU" dirty="0" smtClean="0"/>
-              <a:t> на все публичные </a:t>
-            </a:r>
+              <a:t> на все публичные методы,</a:t>
+            </a:r>
+            <a:endParaRPr lang="ru-RU" dirty="0"/>
+          </a:p>
+          <a:p>
             <a:r>
               <a:rPr lang="ru-RU" dirty="0" smtClean="0"/>
-              <a:t>методы,</a:t>
-            </a:r>
-            <a:endParaRPr lang="ru-RU" dirty="0"/>
-          </a:p>
-          <a:p>
-            <a:r>
-              <a:rPr lang="ru-RU" dirty="0" smtClean="0"/>
-              <a:t>логика </a:t>
-            </a:r>
-            <a:r>
-              <a:rPr lang="ru-RU" dirty="0" smtClean="0"/>
-              <a:t>должна быть </a:t>
+              <a:t>логика должна быть </a:t>
             </a:r>
             <a:r>
               <a:rPr lang="ru-RU" dirty="0" err="1" smtClean="0"/>
@@ -6336,15 +6316,7 @@
             </a:pPr>
             <a:r>
               <a:rPr lang="ru-RU" dirty="0" smtClean="0"/>
-              <a:t>Прочитать файл </a:t>
-            </a:r>
-            <a:r>
-              <a:rPr lang="ru-RU" dirty="0" smtClean="0"/>
-              <a:t>с </a:t>
-            </a:r>
-            <a:r>
-              <a:rPr lang="ru-RU" dirty="0" smtClean="0"/>
-              <a:t>информацией о контрагентах и суммах.</a:t>
+              <a:t>Прочитать файл с информацией о контрагентах и суммах.</a:t>
             </a:r>
             <a:endParaRPr lang="en-US" dirty="0"/>
           </a:p>
@@ -6386,19 +6358,15 @@
             </a:br>
             <a:r>
               <a:rPr lang="ru-RU" dirty="0" smtClean="0"/>
-              <a:t>- путь до </a:t>
-            </a:r>
-            <a:r>
-              <a:rPr lang="ru-RU" dirty="0" smtClean="0"/>
-              <a:t>файла </a:t>
+              <a:t>- путь до файла </a:t>
             </a:r>
             <a:r>
               <a:rPr lang="en-US" dirty="0" smtClean="0"/>
               <a:t>Excel</a:t>
             </a:r>
             <a:r>
-              <a:rPr lang="ru-RU" dirty="0" smtClean="0"/>
-              <a:t>, </a:t>
+              <a:rPr lang="ru-RU" dirty="0"/>
+              <a:t> с информацией о контрагентах и суммах, </a:t>
             </a:r>
             <a:r>
               <a:rPr lang="ru-RU" dirty="0" smtClean="0"/>
@@ -6409,13 +6377,8 @@
             </a:br>
             <a:r>
               <a:rPr lang="ru-RU" dirty="0" smtClean="0"/>
-              <a:t>- папка для сохранения сформированных </a:t>
-            </a:r>
-            <a:r>
-              <a:rPr lang="ru-RU" dirty="0" smtClean="0"/>
-              <a:t>ПКО.</a:t>
-            </a:r>
-            <a:endParaRPr lang="ru-RU" dirty="0" smtClean="0"/>
+              <a:t>- папка для сохранения сформированных ПКО.</a:t>
+            </a:r>
           </a:p>
         </p:txBody>
       </p:sp>
@@ -6484,12 +6447,12 @@
               <a:t>По </a:t>
             </a:r>
             <a:r>
+              <a:rPr lang="ru-RU" dirty="0"/>
+              <a:t>каждой паре «Контрагент – Сумма» </a:t>
+            </a:r>
+            <a:r>
               <a:rPr lang="ru-RU" dirty="0" smtClean="0"/>
-              <a:t>каждому контрагенту сгенерировать </a:t>
-            </a:r>
-            <a:r>
-              <a:rPr lang="ru-RU" dirty="0" smtClean="0"/>
-              <a:t>ПКО.</a:t>
+              <a:t>сгенерировать ПКО.</a:t>
             </a:r>
             <a:endParaRPr lang="ru-RU" dirty="0"/>
           </a:p>
@@ -6983,13 +6946,6 @@
               </a:rPr>
               <a:t>1</a:t>
             </a:r>
-            <a:endParaRPr lang="ru-RU" sz="2800" dirty="0">
-              <a:solidFill>
-                <a:schemeClr val="accent2"/>
-              </a:solidFill>
-              <a:latin typeface="Segoe UI" panose="020B0502040204020203" pitchFamily="34" charset="0"/>
-              <a:cs typeface="Segoe UI" panose="020B0502040204020203" pitchFamily="34" charset="0"/>
-            </a:endParaRPr>
           </a:p>
         </p:txBody>
       </p:sp>
@@ -7059,15 +7015,7 @@
             </a:pPr>
             <a:r>
               <a:rPr lang="ru-RU" dirty="0" smtClean="0"/>
-              <a:t>Прочитать файл </a:t>
-            </a:r>
-            <a:r>
-              <a:rPr lang="ru-RU" dirty="0" smtClean="0"/>
-              <a:t>с </a:t>
-            </a:r>
-            <a:r>
-              <a:rPr lang="ru-RU" dirty="0" smtClean="0"/>
-              <a:t>информацией о контрагентах и суммах.</a:t>
+              <a:t>Прочитать файл с информацией о контрагентах и суммах.</a:t>
             </a:r>
             <a:endParaRPr lang="en-US" dirty="0"/>
           </a:p>
@@ -7109,19 +7057,15 @@
             </a:br>
             <a:r>
               <a:rPr lang="ru-RU" dirty="0" smtClean="0"/>
-              <a:t>- путь до </a:t>
-            </a:r>
-            <a:r>
-              <a:rPr lang="ru-RU" dirty="0" smtClean="0"/>
-              <a:t>файла </a:t>
+              <a:t>- путь до файла </a:t>
             </a:r>
             <a:r>
               <a:rPr lang="en-US" dirty="0" smtClean="0"/>
               <a:t>Excel</a:t>
             </a:r>
             <a:r>
-              <a:rPr lang="ru-RU" dirty="0" smtClean="0"/>
-              <a:t>, </a:t>
+              <a:rPr lang="ru-RU" dirty="0"/>
+              <a:t> с информацией о контрагентах и суммах, </a:t>
             </a:r>
             <a:r>
               <a:rPr lang="ru-RU" dirty="0" smtClean="0"/>
@@ -7132,13 +7076,8 @@
             </a:br>
             <a:r>
               <a:rPr lang="ru-RU" dirty="0" smtClean="0"/>
-              <a:t>- папка для сохранения сформированных </a:t>
-            </a:r>
-            <a:r>
-              <a:rPr lang="ru-RU" dirty="0" smtClean="0"/>
-              <a:t>ПКО.</a:t>
-            </a:r>
-            <a:endParaRPr lang="ru-RU" dirty="0" smtClean="0"/>
+              <a:t>- папка для сохранения сформированных ПКО.</a:t>
+            </a:r>
           </a:p>
         </p:txBody>
       </p:sp>
@@ -7171,9 +7110,8 @@
             </a:pPr>
             <a:r>
               <a:rPr lang="ru-RU" dirty="0" smtClean="0"/>
-              <a:t>Обработать информацию по каждой паре «Контрагент – Сумма».  </a:t>
-            </a:r>
-            <a:endParaRPr lang="ru-RU" dirty="0" smtClean="0"/>
+              <a:t>Обработать информацию по каждой паре «Контрагент – Сумма». </a:t>
+            </a:r>
           </a:p>
         </p:txBody>
       </p:sp>
@@ -7208,12 +7146,12 @@
               <a:t>По </a:t>
             </a:r>
             <a:r>
+              <a:rPr lang="ru-RU" dirty="0"/>
+              <a:t>каждой паре «Контрагент – Сумма» </a:t>
+            </a:r>
+            <a:r>
               <a:rPr lang="ru-RU" dirty="0" smtClean="0"/>
-              <a:t>каждому контрагенту сгенерировать </a:t>
-            </a:r>
-            <a:r>
-              <a:rPr lang="ru-RU" dirty="0" smtClean="0"/>
-              <a:t>ПКО.</a:t>
+              <a:t>сгенерировать ПКО.</a:t>
             </a:r>
             <a:endParaRPr lang="ru-RU" dirty="0"/>
           </a:p>
@@ -7268,7 +7206,7 @@
         </p:nvSpPr>
         <p:spPr>
           <a:xfrm>
-            <a:off x="0" y="505952"/>
+            <a:off x="0" y="307531"/>
             <a:ext cx="12192000" cy="604366"/>
           </a:xfrm>
         </p:spPr>
@@ -7285,10 +7223,6 @@
             <a:br>
               <a:rPr lang="ru-RU" dirty="0" smtClean="0"/>
             </a:br>
-            <a:r>
-              <a:rPr lang="ru-RU" dirty="0" smtClean="0"/>
-              <a:t> </a:t>
-            </a:r>
             <a:endParaRPr lang="ru-RU" sz="2700" dirty="0"/>
           </a:p>
         </p:txBody>
@@ -7703,19 +7637,12 @@
               </a:rPr>
               <a:t>1</a:t>
             </a:r>
-            <a:endParaRPr lang="ru-RU" sz="2800" dirty="0">
-              <a:solidFill>
-                <a:schemeClr val="accent2"/>
-              </a:solidFill>
-              <a:latin typeface="Segoe UI" panose="020B0502040204020203" pitchFamily="34" charset="0"/>
-              <a:cs typeface="Segoe UI" panose="020B0502040204020203" pitchFamily="34" charset="0"/>
-            </a:endParaRPr>
-          </a:p>
-        </p:txBody>
-      </p:sp>
-      <p:sp>
-        <p:nvSpPr>
-          <p:cNvPr id="5" name="Прямоугольник 4"/>
+          </a:p>
+        </p:txBody>
+      </p:sp>
+      <p:sp>
+        <p:nvSpPr>
+          <p:cNvPr id="25" name="Прямоугольник 24"/>
           <p:cNvSpPr/>
           <p:nvPr/>
         </p:nvSpPr>
@@ -7803,7 +7730,7 @@
       </p:sp>
       <p:sp>
         <p:nvSpPr>
-          <p:cNvPr id="6" name="Прямоугольник 5"/>
+          <p:cNvPr id="26" name="Прямоугольник 25"/>
           <p:cNvSpPr/>
           <p:nvPr/>
         </p:nvSpPr>
@@ -7841,21 +7768,12 @@
               </a:rPr>
               <a:t>Подготовить шаблон ПКО.</a:t>
             </a:r>
-            <a:endParaRPr lang="ru-RU" i="1" dirty="0">
-              <a:effectLst>
-                <a:outerShdw blurRad="38100" dist="38100" dir="2700000" algn="tl">
-                  <a:srgbClr val="000000">
-                    <a:alpha val="43137"/>
-                  </a:srgbClr>
-                </a:outerShdw>
-              </a:effectLst>
-            </a:endParaRPr>
-          </a:p>
-        </p:txBody>
-      </p:sp>
-      <p:sp>
-        <p:nvSpPr>
-          <p:cNvPr id="7" name="Прямоугольник 6"/>
+          </a:p>
+        </p:txBody>
+      </p:sp>
+      <p:sp>
+        <p:nvSpPr>
+          <p:cNvPr id="27" name="Прямоугольник 26"/>
           <p:cNvSpPr/>
           <p:nvPr/>
         </p:nvSpPr>
@@ -7893,22 +7811,13 @@
               </a:rPr>
               <a:t>В некоторых ячейках сумму заполнить прописью.</a:t>
             </a:r>
-            <a:endParaRPr lang="ru-RU" i="1" dirty="0">
-              <a:effectLst>
-                <a:outerShdw blurRad="38100" dist="38100" dir="2700000" algn="tl">
-                  <a:srgbClr val="000000">
-                    <a:alpha val="43137"/>
-                  </a:srgbClr>
-                </a:outerShdw>
-              </a:effectLst>
-            </a:endParaRPr>
           </a:p>
         </p:txBody>
       </p:sp>
     </p:spTree>
     <p:extLst>
       <p:ext uri="{BB962C8B-B14F-4D97-AF65-F5344CB8AC3E}">
-        <p14:creationId xmlns:p14="http://schemas.microsoft.com/office/powerpoint/2010/main" val="3608240949"/>
+        <p14:creationId xmlns:p14="http://schemas.microsoft.com/office/powerpoint/2010/main" val="4016379083"/>
       </p:ext>
     </p:extLst>
   </p:cSld>
@@ -9108,7 +9017,7 @@
           <a:p>
             <a:r>
               <a:rPr lang="en-US" sz="2000" dirty="0" err="1" smtClean="0"/>
-              <a:t>PkoGenerator.Console</a:t>
+              <a:t>PkoGenerator</a:t>
             </a:r>
             <a:endParaRPr lang="ru-RU" sz="2000" dirty="0"/>
           </a:p>
@@ -9614,11 +9523,7 @@
           <a:p>
             <a:r>
               <a:rPr lang="en-US" dirty="0" err="1" smtClean="0"/>
-              <a:t>RusNumber</a:t>
-            </a:r>
-            <a:r>
-              <a:rPr lang="en-US" dirty="0" err="1" smtClean="0"/>
-              <a:t>.cs</a:t>
+              <a:t>RusNumber.cs</a:t>
             </a:r>
             <a:endParaRPr lang="ru-RU" dirty="0"/>
           </a:p>
